--- a/Module0/Installing Git.pptx
+++ b/Module0/Installing Git.pptx
@@ -4932,10 +4932,19 @@
               <a:rPr lang="en-US" dirty="0" err="1"/>
               <a:t>init</a:t>
             </a:r>
-            <a:endParaRPr lang="en-US"/>
-          </a:p>
-          <a:p>
-            <a:endParaRPr lang="en-AU"/>
+            <a:endParaRPr lang="en-US" dirty="0"/>
+          </a:p>
+          <a:p>
+            <a:r>
+              <a:rPr lang="en-US"/>
+              <a:t>git add –A</a:t>
+            </a:r>
+          </a:p>
+          <a:p>
+            <a:endParaRPr lang="en-US" dirty="0"/>
+          </a:p>
+          <a:p>
+            <a:endParaRPr lang="en-AU" dirty="0"/>
           </a:p>
         </p:txBody>
       </p:sp>
